--- a/docs/Diagram/ModelComponentClassDiagram.pptx
+++ b/docs/Diagram/ModelComponentClassDiagram.pptx
@@ -154,7 +154,7 @@
           </a:lstStyle>
           <a:p>
             <a:r>
-              <a:rPr lang="en-US" smtClean="0"/>
+              <a:rPr lang="en-US"/>
               <a:t>Click to edit Master title style</a:t>
             </a:r>
             <a:endParaRPr lang="en-SG"/>
@@ -219,7 +219,7 @@
           </a:lstStyle>
           <a:p>
             <a:r>
-              <a:rPr lang="en-US" smtClean="0"/>
+              <a:rPr lang="en-US"/>
               <a:t>Click to edit Master subtitle style</a:t>
             </a:r>
             <a:endParaRPr lang="en-SG"/>
@@ -337,7 +337,7 @@
           <a:lstStyle/>
           <a:p>
             <a:r>
-              <a:rPr lang="en-US" smtClean="0"/>
+              <a:rPr lang="en-US"/>
               <a:t>Click to edit Master title style</a:t>
             </a:r>
             <a:endParaRPr lang="en-SG"/>
@@ -361,35 +361,35 @@
           <a:p>
             <a:pPr lvl="0"/>
             <a:r>
-              <a:rPr lang="en-US" smtClean="0"/>
+              <a:rPr lang="en-US"/>
               <a:t>Edit Master text styles</a:t>
             </a:r>
           </a:p>
           <a:p>
             <a:pPr lvl="1"/>
             <a:r>
-              <a:rPr lang="en-US" smtClean="0"/>
+              <a:rPr lang="en-US"/>
               <a:t>Second level</a:t>
             </a:r>
           </a:p>
           <a:p>
             <a:pPr lvl="2"/>
             <a:r>
-              <a:rPr lang="en-US" smtClean="0"/>
+              <a:rPr lang="en-US"/>
               <a:t>Third level</a:t>
             </a:r>
           </a:p>
           <a:p>
             <a:pPr lvl="3"/>
             <a:r>
-              <a:rPr lang="en-US" smtClean="0"/>
+              <a:rPr lang="en-US"/>
               <a:t>Fourth level</a:t>
             </a:r>
           </a:p>
           <a:p>
             <a:pPr lvl="4"/>
             <a:r>
-              <a:rPr lang="en-US" smtClean="0"/>
+              <a:rPr lang="en-US"/>
               <a:t>Fifth level</a:t>
             </a:r>
             <a:endParaRPr lang="en-SG"/>
@@ -512,7 +512,7 @@
           <a:lstStyle/>
           <a:p>
             <a:r>
-              <a:rPr lang="en-US" smtClean="0"/>
+              <a:rPr lang="en-US"/>
               <a:t>Click to edit Master title style</a:t>
             </a:r>
             <a:endParaRPr lang="en-SG"/>
@@ -541,35 +541,35 @@
           <a:p>
             <a:pPr lvl="0"/>
             <a:r>
-              <a:rPr lang="en-US" smtClean="0"/>
+              <a:rPr lang="en-US"/>
               <a:t>Edit Master text styles</a:t>
             </a:r>
           </a:p>
           <a:p>
             <a:pPr lvl="1"/>
             <a:r>
-              <a:rPr lang="en-US" smtClean="0"/>
+              <a:rPr lang="en-US"/>
               <a:t>Second level</a:t>
             </a:r>
           </a:p>
           <a:p>
             <a:pPr lvl="2"/>
             <a:r>
-              <a:rPr lang="en-US" smtClean="0"/>
+              <a:rPr lang="en-US"/>
               <a:t>Third level</a:t>
             </a:r>
           </a:p>
           <a:p>
             <a:pPr lvl="3"/>
             <a:r>
-              <a:rPr lang="en-US" smtClean="0"/>
+              <a:rPr lang="en-US"/>
               <a:t>Fourth level</a:t>
             </a:r>
           </a:p>
           <a:p>
             <a:pPr lvl="4"/>
             <a:r>
-              <a:rPr lang="en-US" smtClean="0"/>
+              <a:rPr lang="en-US"/>
               <a:t>Fifth level</a:t>
             </a:r>
             <a:endParaRPr lang="en-SG"/>
@@ -687,7 +687,7 @@
           <a:lstStyle/>
           <a:p>
             <a:r>
-              <a:rPr lang="en-US" smtClean="0"/>
+              <a:rPr lang="en-US"/>
               <a:t>Click to edit Master title style</a:t>
             </a:r>
             <a:endParaRPr lang="en-SG"/>
@@ -711,35 +711,35 @@
           <a:p>
             <a:pPr lvl="0"/>
             <a:r>
-              <a:rPr lang="en-US" smtClean="0"/>
+              <a:rPr lang="en-US"/>
               <a:t>Edit Master text styles</a:t>
             </a:r>
           </a:p>
           <a:p>
             <a:pPr lvl="1"/>
             <a:r>
-              <a:rPr lang="en-US" smtClean="0"/>
+              <a:rPr lang="en-US"/>
               <a:t>Second level</a:t>
             </a:r>
           </a:p>
           <a:p>
             <a:pPr lvl="2"/>
             <a:r>
-              <a:rPr lang="en-US" smtClean="0"/>
+              <a:rPr lang="en-US"/>
               <a:t>Third level</a:t>
             </a:r>
           </a:p>
           <a:p>
             <a:pPr lvl="3"/>
             <a:r>
-              <a:rPr lang="en-US" smtClean="0"/>
+              <a:rPr lang="en-US"/>
               <a:t>Fourth level</a:t>
             </a:r>
           </a:p>
           <a:p>
             <a:pPr lvl="4"/>
             <a:r>
-              <a:rPr lang="en-US" smtClean="0"/>
+              <a:rPr lang="en-US"/>
               <a:t>Fifth level</a:t>
             </a:r>
             <a:endParaRPr lang="en-SG"/>
@@ -866,7 +866,7 @@
           </a:lstStyle>
           <a:p>
             <a:r>
-              <a:rPr lang="en-US" smtClean="0"/>
+              <a:rPr lang="en-US"/>
               <a:t>Click to edit Master title style</a:t>
             </a:r>
             <a:endParaRPr lang="en-SG"/>
@@ -986,7 +986,7 @@
           <a:p>
             <a:pPr lvl="0"/>
             <a:r>
-              <a:rPr lang="en-US" smtClean="0"/>
+              <a:rPr lang="en-US"/>
               <a:t>Edit Master text styles</a:t>
             </a:r>
           </a:p>
@@ -1103,7 +1103,7 @@
           <a:lstStyle/>
           <a:p>
             <a:r>
-              <a:rPr lang="en-US" smtClean="0"/>
+              <a:rPr lang="en-US"/>
               <a:t>Click to edit Master title style</a:t>
             </a:r>
             <a:endParaRPr lang="en-SG"/>
@@ -1132,35 +1132,35 @@
           <a:p>
             <a:pPr lvl="0"/>
             <a:r>
-              <a:rPr lang="en-US" smtClean="0"/>
+              <a:rPr lang="en-US"/>
               <a:t>Edit Master text styles</a:t>
             </a:r>
           </a:p>
           <a:p>
             <a:pPr lvl="1"/>
             <a:r>
-              <a:rPr lang="en-US" smtClean="0"/>
+              <a:rPr lang="en-US"/>
               <a:t>Second level</a:t>
             </a:r>
           </a:p>
           <a:p>
             <a:pPr lvl="2"/>
             <a:r>
-              <a:rPr lang="en-US" smtClean="0"/>
+              <a:rPr lang="en-US"/>
               <a:t>Third level</a:t>
             </a:r>
           </a:p>
           <a:p>
             <a:pPr lvl="3"/>
             <a:r>
-              <a:rPr lang="en-US" smtClean="0"/>
+              <a:rPr lang="en-US"/>
               <a:t>Fourth level</a:t>
             </a:r>
           </a:p>
           <a:p>
             <a:pPr lvl="4"/>
             <a:r>
-              <a:rPr lang="en-US" smtClean="0"/>
+              <a:rPr lang="en-US"/>
               <a:t>Fifth level</a:t>
             </a:r>
             <a:endParaRPr lang="en-SG"/>
@@ -1189,35 +1189,35 @@
           <a:p>
             <a:pPr lvl="0"/>
             <a:r>
-              <a:rPr lang="en-US" smtClean="0"/>
+              <a:rPr lang="en-US"/>
               <a:t>Edit Master text styles</a:t>
             </a:r>
           </a:p>
           <a:p>
             <a:pPr lvl="1"/>
             <a:r>
-              <a:rPr lang="en-US" smtClean="0"/>
+              <a:rPr lang="en-US"/>
               <a:t>Second level</a:t>
             </a:r>
           </a:p>
           <a:p>
             <a:pPr lvl="2"/>
             <a:r>
-              <a:rPr lang="en-US" smtClean="0"/>
+              <a:rPr lang="en-US"/>
               <a:t>Third level</a:t>
             </a:r>
           </a:p>
           <a:p>
             <a:pPr lvl="3"/>
             <a:r>
-              <a:rPr lang="en-US" smtClean="0"/>
+              <a:rPr lang="en-US"/>
               <a:t>Fourth level</a:t>
             </a:r>
           </a:p>
           <a:p>
             <a:pPr lvl="4"/>
             <a:r>
-              <a:rPr lang="en-US" smtClean="0"/>
+              <a:rPr lang="en-US"/>
               <a:t>Fifth level</a:t>
             </a:r>
             <a:endParaRPr lang="en-SG"/>
@@ -1340,7 +1340,7 @@
           <a:lstStyle/>
           <a:p>
             <a:r>
-              <a:rPr lang="en-US" smtClean="0"/>
+              <a:rPr lang="en-US"/>
               <a:t>Click to edit Master title style</a:t>
             </a:r>
             <a:endParaRPr lang="en-SG"/>
@@ -1406,7 +1406,7 @@
           <a:p>
             <a:pPr lvl="0"/>
             <a:r>
-              <a:rPr lang="en-US" smtClean="0"/>
+              <a:rPr lang="en-US"/>
               <a:t>Edit Master text styles</a:t>
             </a:r>
           </a:p>
@@ -1434,35 +1434,35 @@
           <a:p>
             <a:pPr lvl="0"/>
             <a:r>
-              <a:rPr lang="en-US" smtClean="0"/>
+              <a:rPr lang="en-US"/>
               <a:t>Edit Master text styles</a:t>
             </a:r>
           </a:p>
           <a:p>
             <a:pPr lvl="1"/>
             <a:r>
-              <a:rPr lang="en-US" smtClean="0"/>
+              <a:rPr lang="en-US"/>
               <a:t>Second level</a:t>
             </a:r>
           </a:p>
           <a:p>
             <a:pPr lvl="2"/>
             <a:r>
-              <a:rPr lang="en-US" smtClean="0"/>
+              <a:rPr lang="en-US"/>
               <a:t>Third level</a:t>
             </a:r>
           </a:p>
           <a:p>
             <a:pPr lvl="3"/>
             <a:r>
-              <a:rPr lang="en-US" smtClean="0"/>
+              <a:rPr lang="en-US"/>
               <a:t>Fourth level</a:t>
             </a:r>
           </a:p>
           <a:p>
             <a:pPr lvl="4"/>
             <a:r>
-              <a:rPr lang="en-US" smtClean="0"/>
+              <a:rPr lang="en-US"/>
               <a:t>Fifth level</a:t>
             </a:r>
             <a:endParaRPr lang="en-SG"/>
@@ -1528,7 +1528,7 @@
           <a:p>
             <a:pPr lvl="0"/>
             <a:r>
-              <a:rPr lang="en-US" smtClean="0"/>
+              <a:rPr lang="en-US"/>
               <a:t>Edit Master text styles</a:t>
             </a:r>
           </a:p>
@@ -1556,35 +1556,35 @@
           <a:p>
             <a:pPr lvl="0"/>
             <a:r>
-              <a:rPr lang="en-US" smtClean="0"/>
+              <a:rPr lang="en-US"/>
               <a:t>Edit Master text styles</a:t>
             </a:r>
           </a:p>
           <a:p>
             <a:pPr lvl="1"/>
             <a:r>
-              <a:rPr lang="en-US" smtClean="0"/>
+              <a:rPr lang="en-US"/>
               <a:t>Second level</a:t>
             </a:r>
           </a:p>
           <a:p>
             <a:pPr lvl="2"/>
             <a:r>
-              <a:rPr lang="en-US" smtClean="0"/>
+              <a:rPr lang="en-US"/>
               <a:t>Third level</a:t>
             </a:r>
           </a:p>
           <a:p>
             <a:pPr lvl="3"/>
             <a:r>
-              <a:rPr lang="en-US" smtClean="0"/>
+              <a:rPr lang="en-US"/>
               <a:t>Fourth level</a:t>
             </a:r>
           </a:p>
           <a:p>
             <a:pPr lvl="4"/>
             <a:r>
-              <a:rPr lang="en-US" smtClean="0"/>
+              <a:rPr lang="en-US"/>
               <a:t>Fifth level</a:t>
             </a:r>
             <a:endParaRPr lang="en-SG"/>
@@ -1702,7 +1702,7 @@
           <a:lstStyle/>
           <a:p>
             <a:r>
-              <a:rPr lang="en-US" smtClean="0"/>
+              <a:rPr lang="en-US"/>
               <a:t>Click to edit Master title style</a:t>
             </a:r>
             <a:endParaRPr lang="en-SG"/>
@@ -1924,7 +1924,7 @@
           </a:lstStyle>
           <a:p>
             <a:r>
-              <a:rPr lang="en-US" smtClean="0"/>
+              <a:rPr lang="en-US"/>
               <a:t>Click to edit Master title style</a:t>
             </a:r>
             <a:endParaRPr lang="en-SG"/>
@@ -1981,35 +1981,35 @@
           <a:p>
             <a:pPr lvl="0"/>
             <a:r>
-              <a:rPr lang="en-US" smtClean="0"/>
+              <a:rPr lang="en-US"/>
               <a:t>Edit Master text styles</a:t>
             </a:r>
           </a:p>
           <a:p>
             <a:pPr lvl="1"/>
             <a:r>
-              <a:rPr lang="en-US" smtClean="0"/>
+              <a:rPr lang="en-US"/>
               <a:t>Second level</a:t>
             </a:r>
           </a:p>
           <a:p>
             <a:pPr lvl="2"/>
             <a:r>
-              <a:rPr lang="en-US" smtClean="0"/>
+              <a:rPr lang="en-US"/>
               <a:t>Third level</a:t>
             </a:r>
           </a:p>
           <a:p>
             <a:pPr lvl="3"/>
             <a:r>
-              <a:rPr lang="en-US" smtClean="0"/>
+              <a:rPr lang="en-US"/>
               <a:t>Fourth level</a:t>
             </a:r>
           </a:p>
           <a:p>
             <a:pPr lvl="4"/>
             <a:r>
-              <a:rPr lang="en-US" smtClean="0"/>
+              <a:rPr lang="en-US"/>
               <a:t>Fifth level</a:t>
             </a:r>
             <a:endParaRPr lang="en-SG"/>
@@ -2075,7 +2075,7 @@
           <a:p>
             <a:pPr lvl="0"/>
             <a:r>
-              <a:rPr lang="en-US" smtClean="0"/>
+              <a:rPr lang="en-US"/>
               <a:t>Edit Master text styles</a:t>
             </a:r>
           </a:p>
@@ -2201,7 +2201,7 @@
           </a:lstStyle>
           <a:p>
             <a:r>
-              <a:rPr lang="en-US" smtClean="0"/>
+              <a:rPr lang="en-US"/>
               <a:t>Click to edit Master title style</a:t>
             </a:r>
             <a:endParaRPr lang="en-SG"/>
@@ -2328,7 +2328,7 @@
           <a:p>
             <a:pPr lvl="0"/>
             <a:r>
-              <a:rPr lang="en-US" smtClean="0"/>
+              <a:rPr lang="en-US"/>
               <a:t>Edit Master text styles</a:t>
             </a:r>
           </a:p>
@@ -2460,7 +2460,7 @@
           <a:lstStyle/>
           <a:p>
             <a:r>
-              <a:rPr lang="en-US" smtClean="0"/>
+              <a:rPr lang="en-US"/>
               <a:t>Click to edit Master title style</a:t>
             </a:r>
             <a:endParaRPr lang="en-SG"/>
@@ -2494,35 +2494,35 @@
           <a:p>
             <a:pPr lvl="0"/>
             <a:r>
-              <a:rPr lang="en-US" smtClean="0"/>
+              <a:rPr lang="en-US"/>
               <a:t>Edit Master text styles</a:t>
             </a:r>
           </a:p>
           <a:p>
             <a:pPr lvl="1"/>
             <a:r>
-              <a:rPr lang="en-US" smtClean="0"/>
+              <a:rPr lang="en-US"/>
               <a:t>Second level</a:t>
             </a:r>
           </a:p>
           <a:p>
             <a:pPr lvl="2"/>
             <a:r>
-              <a:rPr lang="en-US" smtClean="0"/>
+              <a:rPr lang="en-US"/>
               <a:t>Third level</a:t>
             </a:r>
           </a:p>
           <a:p>
             <a:pPr lvl="3"/>
             <a:r>
-              <a:rPr lang="en-US" smtClean="0"/>
+              <a:rPr lang="en-US"/>
               <a:t>Fourth level</a:t>
             </a:r>
           </a:p>
           <a:p>
             <a:pPr lvl="4"/>
             <a:r>
-              <a:rPr lang="en-US" smtClean="0"/>
+              <a:rPr lang="en-US"/>
               <a:t>Fifth level</a:t>
             </a:r>
             <a:endParaRPr lang="en-SG"/>
@@ -3109,7 +3109,7 @@
           </a:lstStyle>
           <a:p>
             <a:r>
-              <a:rPr lang="en-US" sz="1200" b="1" dirty="0" smtClean="0">
+              <a:rPr lang="en-US" sz="1200" b="1" dirty="0">
                 <a:solidFill>
                   <a:srgbClr val="7030A0"/>
                 </a:solidFill>
@@ -3262,7 +3262,7 @@
           <a:p>
             <a:pPr algn="ctr"/>
             <a:r>
-              <a:rPr lang="en-US" sz="1050" dirty="0" err="1" smtClean="0">
+              <a:rPr lang="en-US" sz="1050" dirty="0" err="1">
                 <a:solidFill>
                   <a:schemeClr val="bg1"/>
                 </a:solidFill>
@@ -3415,7 +3415,7 @@
           <a:p>
             <a:pPr algn="ctr"/>
             <a:r>
-              <a:rPr lang="en-US" sz="1050" dirty="0" err="1" smtClean="0">
+              <a:rPr lang="en-US" sz="1050" dirty="0" err="1">
                 <a:solidFill>
                   <a:schemeClr val="bg1"/>
                 </a:solidFill>
@@ -3441,8 +3441,8 @@
         </p:nvCxnSpPr>
         <p:spPr>
           <a:xfrm flipV="1">
-            <a:off x="7812654" y="3408026"/>
-            <a:ext cx="190770" cy="405819"/>
+            <a:off x="8160326" y="3408026"/>
+            <a:ext cx="114570" cy="228019"/>
           </a:xfrm>
           <a:prstGeom prst="bentConnector2">
             <a:avLst/>
@@ -3482,13 +3482,13 @@
         </p:nvCxnSpPr>
         <p:spPr>
           <a:xfrm rot="5400000" flipH="1" flipV="1">
-            <a:off x="5695719" y="1284109"/>
-            <a:ext cx="378691" cy="4637261"/>
+            <a:off x="5869550" y="1110279"/>
+            <a:ext cx="378690" cy="4984921"/>
           </a:xfrm>
           <a:prstGeom prst="bentConnector4">
             <a:avLst>
-              <a:gd name="adj1" fmla="val -101829"/>
-              <a:gd name="adj2" fmla="val 99976"/>
+              <a:gd name="adj1" fmla="val -147562"/>
+              <a:gd name="adj2" fmla="val 100069"/>
             </a:avLst>
           </a:prstGeom>
           <a:ln w="19050">
@@ -3665,7 +3665,7 @@
           <a:p>
             <a:pPr algn="ctr"/>
             <a:r>
-              <a:rPr lang="en-US" sz="1050" dirty="0" smtClean="0">
+              <a:rPr lang="en-US" sz="1050" dirty="0">
                 <a:solidFill>
                   <a:schemeClr val="bg1"/>
                 </a:solidFill>
@@ -3832,8 +3832,8 @@
         </p:nvCxnSpPr>
         <p:spPr>
           <a:xfrm flipV="1">
-            <a:off x="8003424" y="2835544"/>
-            <a:ext cx="1612" cy="225722"/>
+            <a:off x="8274896" y="2835544"/>
+            <a:ext cx="0" cy="225722"/>
           </a:xfrm>
           <a:prstGeom prst="straightConnector1">
             <a:avLst/>
@@ -3904,151 +3904,6 @@
           </a:fontRef>
         </p:style>
       </p:cxnSp>
-      <p:sp>
-        <p:nvSpPr>
-          <p:cNvPr id="12" name="Isosceles Triangle 11"/>
-          <p:cNvSpPr/>
-          <p:nvPr/>
-        </p:nvSpPr>
-        <p:spPr>
-          <a:xfrm rot="5400000" flipV="1">
-            <a:off x="7589640" y="3726083"/>
-            <a:ext cx="270504" cy="175523"/>
-          </a:xfrm>
-          <a:prstGeom prst="triangle">
-            <a:avLst/>
-          </a:prstGeom>
-          <a:solidFill>
-            <a:srgbClr val="7030A0"/>
-          </a:solidFill>
-          <a:ln w="19050">
-            <a:solidFill>
-              <a:srgbClr val="7030A0"/>
-            </a:solidFill>
-          </a:ln>
-          <a:effectLst/>
-        </p:spPr>
-        <p:style>
-          <a:lnRef idx="1">
-            <a:schemeClr val="accent4"/>
-          </a:lnRef>
-          <a:fillRef idx="2">
-            <a:schemeClr val="accent4"/>
-          </a:fillRef>
-          <a:effectRef idx="1">
-            <a:schemeClr val="accent4"/>
-          </a:effectRef>
-          <a:fontRef idx="minor">
-            <a:schemeClr val="dk1"/>
-          </a:fontRef>
-        </p:style>
-        <p:txBody>
-          <a:bodyPr rtlCol="0" anchor="ctr"/>
-          <a:lstStyle>
-            <a:defPPr>
-              <a:defRPr lang="en-US"/>
-            </a:defPPr>
-            <a:lvl1pPr marL="0" algn="l" defTabSz="914400" rtl="0" eaLnBrk="1" latinLnBrk="0" hangingPunct="1">
-              <a:defRPr sz="1800" kern="1200">
-                <a:solidFill>
-                  <a:schemeClr val="dk1"/>
-                </a:solidFill>
-                <a:latin typeface="+mn-lt"/>
-                <a:ea typeface="+mn-ea"/>
-                <a:cs typeface="+mn-cs"/>
-              </a:defRPr>
-            </a:lvl1pPr>
-            <a:lvl2pPr marL="457200" algn="l" defTabSz="914400" rtl="0" eaLnBrk="1" latinLnBrk="0" hangingPunct="1">
-              <a:defRPr sz="1800" kern="1200">
-                <a:solidFill>
-                  <a:schemeClr val="dk1"/>
-                </a:solidFill>
-                <a:latin typeface="+mn-lt"/>
-                <a:ea typeface="+mn-ea"/>
-                <a:cs typeface="+mn-cs"/>
-              </a:defRPr>
-            </a:lvl2pPr>
-            <a:lvl3pPr marL="914400" algn="l" defTabSz="914400" rtl="0" eaLnBrk="1" latinLnBrk="0" hangingPunct="1">
-              <a:defRPr sz="1800" kern="1200">
-                <a:solidFill>
-                  <a:schemeClr val="dk1"/>
-                </a:solidFill>
-                <a:latin typeface="+mn-lt"/>
-                <a:ea typeface="+mn-ea"/>
-                <a:cs typeface="+mn-cs"/>
-              </a:defRPr>
-            </a:lvl3pPr>
-            <a:lvl4pPr marL="1371600" algn="l" defTabSz="914400" rtl="0" eaLnBrk="1" latinLnBrk="0" hangingPunct="1">
-              <a:defRPr sz="1800" kern="1200">
-                <a:solidFill>
-                  <a:schemeClr val="dk1"/>
-                </a:solidFill>
-                <a:latin typeface="+mn-lt"/>
-                <a:ea typeface="+mn-ea"/>
-                <a:cs typeface="+mn-cs"/>
-              </a:defRPr>
-            </a:lvl4pPr>
-            <a:lvl5pPr marL="1828800" algn="l" defTabSz="914400" rtl="0" eaLnBrk="1" latinLnBrk="0" hangingPunct="1">
-              <a:defRPr sz="1800" kern="1200">
-                <a:solidFill>
-                  <a:schemeClr val="dk1"/>
-                </a:solidFill>
-                <a:latin typeface="+mn-lt"/>
-                <a:ea typeface="+mn-ea"/>
-                <a:cs typeface="+mn-cs"/>
-              </a:defRPr>
-            </a:lvl5pPr>
-            <a:lvl6pPr marL="2286000" algn="l" defTabSz="914400" rtl="0" eaLnBrk="1" latinLnBrk="0" hangingPunct="1">
-              <a:defRPr sz="1800" kern="1200">
-                <a:solidFill>
-                  <a:schemeClr val="dk1"/>
-                </a:solidFill>
-                <a:latin typeface="+mn-lt"/>
-                <a:ea typeface="+mn-ea"/>
-                <a:cs typeface="+mn-cs"/>
-              </a:defRPr>
-            </a:lvl6pPr>
-            <a:lvl7pPr marL="2743200" algn="l" defTabSz="914400" rtl="0" eaLnBrk="1" latinLnBrk="0" hangingPunct="1">
-              <a:defRPr sz="1800" kern="1200">
-                <a:solidFill>
-                  <a:schemeClr val="dk1"/>
-                </a:solidFill>
-                <a:latin typeface="+mn-lt"/>
-                <a:ea typeface="+mn-ea"/>
-                <a:cs typeface="+mn-cs"/>
-              </a:defRPr>
-            </a:lvl7pPr>
-            <a:lvl8pPr marL="3200400" algn="l" defTabSz="914400" rtl="0" eaLnBrk="1" latinLnBrk="0" hangingPunct="1">
-              <a:defRPr sz="1800" kern="1200">
-                <a:solidFill>
-                  <a:schemeClr val="dk1"/>
-                </a:solidFill>
-                <a:latin typeface="+mn-lt"/>
-                <a:ea typeface="+mn-ea"/>
-                <a:cs typeface="+mn-cs"/>
-              </a:defRPr>
-            </a:lvl8pPr>
-            <a:lvl9pPr marL="3657600" algn="l" defTabSz="914400" rtl="0" eaLnBrk="1" latinLnBrk="0" hangingPunct="1">
-              <a:defRPr sz="1800" kern="1200">
-                <a:solidFill>
-                  <a:schemeClr val="dk1"/>
-                </a:solidFill>
-                <a:latin typeface="+mn-lt"/>
-                <a:ea typeface="+mn-ea"/>
-                <a:cs typeface="+mn-cs"/>
-              </a:defRPr>
-            </a:lvl9pPr>
-          </a:lstStyle>
-          <a:p>
-            <a:pPr algn="ctr"/>
-            <a:endParaRPr lang="en-SG" sz="1050" b="1">
-              <a:solidFill>
-                <a:srgbClr val="92D050"/>
-              </a:solidFill>
-            </a:endParaRPr>
-          </a:p>
-        </p:txBody>
-      </p:sp>
       <p:cxnSp>
         <p:nvCxnSpPr>
           <p:cNvPr id="13" name="Elbow Connector 12"/>
@@ -4407,7 +4262,7 @@
           <a:p>
             <a:pPr algn="ctr"/>
             <a:r>
-              <a:rPr lang="en-US" sz="1050" dirty="0" err="1" smtClean="0">
+              <a:rPr lang="en-US" sz="1050" dirty="0" err="1">
                 <a:solidFill>
                   <a:srgbClr val="7030A0"/>
                 </a:solidFill>
@@ -4434,7 +4289,7 @@
         <p:spPr>
           <a:xfrm>
             <a:off x="3994334" y="2998716"/>
-            <a:ext cx="220810" cy="5284"/>
+            <a:ext cx="220810" cy="0"/>
           </a:xfrm>
           <a:prstGeom prst="straightConnector1">
             <a:avLst/>
@@ -4737,7 +4592,7 @@
           <a:p>
             <a:pPr algn="ctr"/>
             <a:r>
-              <a:rPr lang="en-US" sz="1050" dirty="0" err="1" smtClean="0">
+              <a:rPr lang="en-US" sz="1050" dirty="0" err="1">
                 <a:solidFill>
                   <a:srgbClr val="7030A0"/>
                 </a:solidFill>
@@ -4908,7 +4763,9 @@
             <a:ext cx="266666" cy="260070"/>
           </a:xfrm>
           <a:prstGeom prst="bentConnector3">
-            <a:avLst/>
+            <a:avLst>
+              <a:gd name="adj1" fmla="val 52679"/>
+            </a:avLst>
           </a:prstGeom>
           <a:ln w="19050">
             <a:solidFill>
@@ -5069,7 +4926,7 @@
           <a:p>
             <a:pPr algn="ctr"/>
             <a:r>
-              <a:rPr lang="en-US" sz="1050" dirty="0" err="1" smtClean="0">
+              <a:rPr lang="en-US" sz="1050" dirty="0" err="1">
                 <a:solidFill>
                   <a:srgbClr val="7030A0"/>
                 </a:solidFill>
@@ -5135,7 +4992,7 @@
         </p:nvSpPr>
         <p:spPr>
           <a:xfrm>
-            <a:off x="7649331" y="3061266"/>
+            <a:off x="7920803" y="3061266"/>
             <a:ext cx="708186" cy="346760"/>
           </a:xfrm>
           <a:prstGeom prst="rect">
@@ -5262,7 +5119,7 @@
           <a:p>
             <a:pPr algn="ctr"/>
             <a:r>
-              <a:rPr lang="en-US" sz="1050" dirty="0" smtClean="0">
+              <a:rPr lang="en-US" sz="1050" dirty="0">
                 <a:solidFill>
                   <a:srgbClr val="7030A0"/>
                 </a:solidFill>
@@ -5277,186 +5134,201 @@
           </a:p>
         </p:txBody>
       </p:sp>
-      <p:sp>
-        <p:nvSpPr>
-          <p:cNvPr id="25" name="Flowchart: Decision 24"/>
-          <p:cNvSpPr/>
+      <p:grpSp>
+        <p:nvGrpSpPr>
+          <p:cNvPr id="2" name="Group 1"/>
+          <p:cNvGrpSpPr/>
           <p:nvPr/>
-        </p:nvSpPr>
-        <p:spPr>
+        </p:nvGrpSpPr>
+        <p:grpSpPr>
           <a:xfrm>
             <a:off x="6978881" y="3147179"/>
-            <a:ext cx="236048" cy="173380"/>
+            <a:ext cx="941922" cy="173380"/>
+            <a:chOff x="6978881" y="3147179"/>
+            <a:chExt cx="941922" cy="173380"/>
           </a:xfrm>
-          <a:prstGeom prst="flowChartDecision">
-            <a:avLst/>
-          </a:prstGeom>
-          <a:noFill/>
-          <a:ln w="19050">
-            <a:solidFill>
-              <a:srgbClr val="7030A0"/>
-            </a:solidFill>
-          </a:ln>
-          <a:effectLst/>
-        </p:spPr>
-        <p:style>
-          <a:lnRef idx="1">
-            <a:schemeClr val="accent6"/>
-          </a:lnRef>
-          <a:fillRef idx="2">
-            <a:schemeClr val="accent6"/>
-          </a:fillRef>
-          <a:effectRef idx="1">
-            <a:schemeClr val="accent6"/>
-          </a:effectRef>
-          <a:fontRef idx="minor">
-            <a:schemeClr val="dk1"/>
-          </a:fontRef>
-        </p:style>
-        <p:txBody>
-          <a:bodyPr rtlCol="0" anchor="ctr"/>
-          <a:lstStyle>
-            <a:defPPr>
-              <a:defRPr lang="en-US"/>
-            </a:defPPr>
-            <a:lvl1pPr marL="0" algn="l" defTabSz="914400" rtl="0" eaLnBrk="1" latinLnBrk="0" hangingPunct="1">
-              <a:defRPr sz="1800" kern="1200">
-                <a:solidFill>
-                  <a:schemeClr val="dk1"/>
-                </a:solidFill>
-                <a:latin typeface="+mn-lt"/>
-                <a:ea typeface="+mn-ea"/>
-                <a:cs typeface="+mn-cs"/>
-              </a:defRPr>
-            </a:lvl1pPr>
-            <a:lvl2pPr marL="457200" algn="l" defTabSz="914400" rtl="0" eaLnBrk="1" latinLnBrk="0" hangingPunct="1">
-              <a:defRPr sz="1800" kern="1200">
-                <a:solidFill>
-                  <a:schemeClr val="dk1"/>
-                </a:solidFill>
-                <a:latin typeface="+mn-lt"/>
-                <a:ea typeface="+mn-ea"/>
-                <a:cs typeface="+mn-cs"/>
-              </a:defRPr>
-            </a:lvl2pPr>
-            <a:lvl3pPr marL="914400" algn="l" defTabSz="914400" rtl="0" eaLnBrk="1" latinLnBrk="0" hangingPunct="1">
-              <a:defRPr sz="1800" kern="1200">
-                <a:solidFill>
-                  <a:schemeClr val="dk1"/>
-                </a:solidFill>
-                <a:latin typeface="+mn-lt"/>
-                <a:ea typeface="+mn-ea"/>
-                <a:cs typeface="+mn-cs"/>
-              </a:defRPr>
-            </a:lvl3pPr>
-            <a:lvl4pPr marL="1371600" algn="l" defTabSz="914400" rtl="0" eaLnBrk="1" latinLnBrk="0" hangingPunct="1">
-              <a:defRPr sz="1800" kern="1200">
-                <a:solidFill>
-                  <a:schemeClr val="dk1"/>
-                </a:solidFill>
-                <a:latin typeface="+mn-lt"/>
-                <a:ea typeface="+mn-ea"/>
-                <a:cs typeface="+mn-cs"/>
-              </a:defRPr>
-            </a:lvl4pPr>
-            <a:lvl5pPr marL="1828800" algn="l" defTabSz="914400" rtl="0" eaLnBrk="1" latinLnBrk="0" hangingPunct="1">
-              <a:defRPr sz="1800" kern="1200">
-                <a:solidFill>
-                  <a:schemeClr val="dk1"/>
-                </a:solidFill>
-                <a:latin typeface="+mn-lt"/>
-                <a:ea typeface="+mn-ea"/>
-                <a:cs typeface="+mn-cs"/>
-              </a:defRPr>
-            </a:lvl5pPr>
-            <a:lvl6pPr marL="2286000" algn="l" defTabSz="914400" rtl="0" eaLnBrk="1" latinLnBrk="0" hangingPunct="1">
-              <a:defRPr sz="1800" kern="1200">
-                <a:solidFill>
-                  <a:schemeClr val="dk1"/>
-                </a:solidFill>
-                <a:latin typeface="+mn-lt"/>
-                <a:ea typeface="+mn-ea"/>
-                <a:cs typeface="+mn-cs"/>
-              </a:defRPr>
-            </a:lvl6pPr>
-            <a:lvl7pPr marL="2743200" algn="l" defTabSz="914400" rtl="0" eaLnBrk="1" latinLnBrk="0" hangingPunct="1">
-              <a:defRPr sz="1800" kern="1200">
-                <a:solidFill>
-                  <a:schemeClr val="dk1"/>
-                </a:solidFill>
-                <a:latin typeface="+mn-lt"/>
-                <a:ea typeface="+mn-ea"/>
-                <a:cs typeface="+mn-cs"/>
-              </a:defRPr>
-            </a:lvl7pPr>
-            <a:lvl8pPr marL="3200400" algn="l" defTabSz="914400" rtl="0" eaLnBrk="1" latinLnBrk="0" hangingPunct="1">
-              <a:defRPr sz="1800" kern="1200">
-                <a:solidFill>
-                  <a:schemeClr val="dk1"/>
-                </a:solidFill>
-                <a:latin typeface="+mn-lt"/>
-                <a:ea typeface="+mn-ea"/>
-                <a:cs typeface="+mn-cs"/>
-              </a:defRPr>
-            </a:lvl8pPr>
-            <a:lvl9pPr marL="3657600" algn="l" defTabSz="914400" rtl="0" eaLnBrk="1" latinLnBrk="0" hangingPunct="1">
-              <a:defRPr sz="1800" kern="1200">
-                <a:solidFill>
-                  <a:schemeClr val="dk1"/>
-                </a:solidFill>
-                <a:latin typeface="+mn-lt"/>
-                <a:ea typeface="+mn-ea"/>
-                <a:cs typeface="+mn-cs"/>
-              </a:defRPr>
-            </a:lvl9pPr>
-          </a:lstStyle>
-          <a:p>
-            <a:pPr algn="ctr"/>
-            <a:endParaRPr lang="en-US" sz="1050"/>
-          </a:p>
-        </p:txBody>
-      </p:sp>
-      <p:cxnSp>
-        <p:nvCxnSpPr>
-          <p:cNvPr id="26" name="Elbow Connector 25"/>
-          <p:cNvCxnSpPr>
-            <a:stCxn id="25" idx="3"/>
-            <a:endCxn id="24" idx="1"/>
-          </p:cNvCxnSpPr>
-          <p:nvPr/>
-        </p:nvCxnSpPr>
-        <p:spPr>
-          <a:xfrm>
-            <a:off x="7214929" y="3233869"/>
-            <a:ext cx="434402" cy="777"/>
-          </a:xfrm>
-          <a:prstGeom prst="bentConnector3">
-            <a:avLst/>
-          </a:prstGeom>
-          <a:ln w="19050">
-            <a:solidFill>
-              <a:srgbClr val="7030A0"/>
-            </a:solidFill>
-            <a:headEnd type="none" w="med" len="med"/>
-            <a:tailEnd type="arrow" w="med" len="med"/>
-          </a:ln>
-          <a:effectLst/>
-        </p:spPr>
-        <p:style>
-          <a:lnRef idx="1">
-            <a:schemeClr val="accent2"/>
-          </a:lnRef>
-          <a:fillRef idx="2">
-            <a:schemeClr val="accent2"/>
-          </a:fillRef>
-          <a:effectRef idx="1">
-            <a:schemeClr val="accent2"/>
-          </a:effectRef>
-          <a:fontRef idx="minor">
-            <a:schemeClr val="dk1"/>
-          </a:fontRef>
-        </p:style>
-      </p:cxnSp>
+        </p:grpSpPr>
+        <p:sp>
+          <p:nvSpPr>
+            <p:cNvPr id="25" name="Flowchart: Decision 24"/>
+            <p:cNvSpPr/>
+            <p:nvPr/>
+          </p:nvSpPr>
+          <p:spPr>
+            <a:xfrm>
+              <a:off x="6978881" y="3147179"/>
+              <a:ext cx="236048" cy="173380"/>
+            </a:xfrm>
+            <a:prstGeom prst="flowChartDecision">
+              <a:avLst/>
+            </a:prstGeom>
+            <a:noFill/>
+            <a:ln w="19050">
+              <a:solidFill>
+                <a:srgbClr val="7030A0"/>
+              </a:solidFill>
+            </a:ln>
+            <a:effectLst/>
+          </p:spPr>
+          <p:style>
+            <a:lnRef idx="1">
+              <a:schemeClr val="accent6"/>
+            </a:lnRef>
+            <a:fillRef idx="2">
+              <a:schemeClr val="accent6"/>
+            </a:fillRef>
+            <a:effectRef idx="1">
+              <a:schemeClr val="accent6"/>
+            </a:effectRef>
+            <a:fontRef idx="minor">
+              <a:schemeClr val="dk1"/>
+            </a:fontRef>
+          </p:style>
+          <p:txBody>
+            <a:bodyPr rtlCol="0" anchor="ctr"/>
+            <a:lstStyle>
+              <a:defPPr>
+                <a:defRPr lang="en-US"/>
+              </a:defPPr>
+              <a:lvl1pPr marL="0" algn="l" defTabSz="914400" rtl="0" eaLnBrk="1" latinLnBrk="0" hangingPunct="1">
+                <a:defRPr sz="1800" kern="1200">
+                  <a:solidFill>
+                    <a:schemeClr val="dk1"/>
+                  </a:solidFill>
+                  <a:latin typeface="+mn-lt"/>
+                  <a:ea typeface="+mn-ea"/>
+                  <a:cs typeface="+mn-cs"/>
+                </a:defRPr>
+              </a:lvl1pPr>
+              <a:lvl2pPr marL="457200" algn="l" defTabSz="914400" rtl="0" eaLnBrk="1" latinLnBrk="0" hangingPunct="1">
+                <a:defRPr sz="1800" kern="1200">
+                  <a:solidFill>
+                    <a:schemeClr val="dk1"/>
+                  </a:solidFill>
+                  <a:latin typeface="+mn-lt"/>
+                  <a:ea typeface="+mn-ea"/>
+                  <a:cs typeface="+mn-cs"/>
+                </a:defRPr>
+              </a:lvl2pPr>
+              <a:lvl3pPr marL="914400" algn="l" defTabSz="914400" rtl="0" eaLnBrk="1" latinLnBrk="0" hangingPunct="1">
+                <a:defRPr sz="1800" kern="1200">
+                  <a:solidFill>
+                    <a:schemeClr val="dk1"/>
+                  </a:solidFill>
+                  <a:latin typeface="+mn-lt"/>
+                  <a:ea typeface="+mn-ea"/>
+                  <a:cs typeface="+mn-cs"/>
+                </a:defRPr>
+              </a:lvl3pPr>
+              <a:lvl4pPr marL="1371600" algn="l" defTabSz="914400" rtl="0" eaLnBrk="1" latinLnBrk="0" hangingPunct="1">
+                <a:defRPr sz="1800" kern="1200">
+                  <a:solidFill>
+                    <a:schemeClr val="dk1"/>
+                  </a:solidFill>
+                  <a:latin typeface="+mn-lt"/>
+                  <a:ea typeface="+mn-ea"/>
+                  <a:cs typeface="+mn-cs"/>
+                </a:defRPr>
+              </a:lvl4pPr>
+              <a:lvl5pPr marL="1828800" algn="l" defTabSz="914400" rtl="0" eaLnBrk="1" latinLnBrk="0" hangingPunct="1">
+                <a:defRPr sz="1800" kern="1200">
+                  <a:solidFill>
+                    <a:schemeClr val="dk1"/>
+                  </a:solidFill>
+                  <a:latin typeface="+mn-lt"/>
+                  <a:ea typeface="+mn-ea"/>
+                  <a:cs typeface="+mn-cs"/>
+                </a:defRPr>
+              </a:lvl5pPr>
+              <a:lvl6pPr marL="2286000" algn="l" defTabSz="914400" rtl="0" eaLnBrk="1" latinLnBrk="0" hangingPunct="1">
+                <a:defRPr sz="1800" kern="1200">
+                  <a:solidFill>
+                    <a:schemeClr val="dk1"/>
+                  </a:solidFill>
+                  <a:latin typeface="+mn-lt"/>
+                  <a:ea typeface="+mn-ea"/>
+                  <a:cs typeface="+mn-cs"/>
+                </a:defRPr>
+              </a:lvl6pPr>
+              <a:lvl7pPr marL="2743200" algn="l" defTabSz="914400" rtl="0" eaLnBrk="1" latinLnBrk="0" hangingPunct="1">
+                <a:defRPr sz="1800" kern="1200">
+                  <a:solidFill>
+                    <a:schemeClr val="dk1"/>
+                  </a:solidFill>
+                  <a:latin typeface="+mn-lt"/>
+                  <a:ea typeface="+mn-ea"/>
+                  <a:cs typeface="+mn-cs"/>
+                </a:defRPr>
+              </a:lvl7pPr>
+              <a:lvl8pPr marL="3200400" algn="l" defTabSz="914400" rtl="0" eaLnBrk="1" latinLnBrk="0" hangingPunct="1">
+                <a:defRPr sz="1800" kern="1200">
+                  <a:solidFill>
+                    <a:schemeClr val="dk1"/>
+                  </a:solidFill>
+                  <a:latin typeface="+mn-lt"/>
+                  <a:ea typeface="+mn-ea"/>
+                  <a:cs typeface="+mn-cs"/>
+                </a:defRPr>
+              </a:lvl8pPr>
+              <a:lvl9pPr marL="3657600" algn="l" defTabSz="914400" rtl="0" eaLnBrk="1" latinLnBrk="0" hangingPunct="1">
+                <a:defRPr sz="1800" kern="1200">
+                  <a:solidFill>
+                    <a:schemeClr val="dk1"/>
+                  </a:solidFill>
+                  <a:latin typeface="+mn-lt"/>
+                  <a:ea typeface="+mn-ea"/>
+                  <a:cs typeface="+mn-cs"/>
+                </a:defRPr>
+              </a:lvl9pPr>
+            </a:lstStyle>
+            <a:p>
+              <a:pPr algn="ctr"/>
+              <a:endParaRPr lang="en-US" sz="1050"/>
+            </a:p>
+          </p:txBody>
+        </p:sp>
+        <p:cxnSp>
+          <p:nvCxnSpPr>
+            <p:cNvPr id="26" name="Elbow Connector 25"/>
+            <p:cNvCxnSpPr>
+              <a:stCxn id="25" idx="3"/>
+              <a:endCxn id="24" idx="1"/>
+            </p:cNvCxnSpPr>
+            <p:nvPr/>
+          </p:nvCxnSpPr>
+          <p:spPr>
+            <a:xfrm>
+              <a:off x="7214929" y="3233869"/>
+              <a:ext cx="705874" cy="777"/>
+            </a:xfrm>
+            <a:prstGeom prst="bentConnector3">
+              <a:avLst/>
+            </a:prstGeom>
+            <a:ln w="19050">
+              <a:solidFill>
+                <a:srgbClr val="7030A0"/>
+              </a:solidFill>
+              <a:headEnd type="none" w="med" len="med"/>
+              <a:tailEnd type="arrow" w="med" len="med"/>
+            </a:ln>
+            <a:effectLst/>
+          </p:spPr>
+          <p:style>
+            <a:lnRef idx="1">
+              <a:schemeClr val="accent2"/>
+            </a:lnRef>
+            <a:fillRef idx="2">
+              <a:schemeClr val="accent2"/>
+            </a:fillRef>
+            <a:effectRef idx="1">
+              <a:schemeClr val="accent2"/>
+            </a:effectRef>
+            <a:fontRef idx="minor">
+              <a:schemeClr val="dk1"/>
+            </a:fontRef>
+          </p:style>
+        </p:cxnSp>
+      </p:grpSp>
       <p:sp>
         <p:nvSpPr>
           <p:cNvPr id="27" name="Rectangle 26"/>
@@ -5465,7 +5337,7 @@
         </p:nvSpPr>
         <p:spPr>
           <a:xfrm>
-            <a:off x="7650943" y="2488784"/>
+            <a:off x="7920803" y="2488784"/>
             <a:ext cx="708186" cy="346760"/>
           </a:xfrm>
           <a:prstGeom prst="rect">
@@ -5592,7 +5464,7 @@
           <a:p>
             <a:pPr algn="ctr"/>
             <a:r>
-              <a:rPr lang="en-US" sz="1050" dirty="0" smtClean="0">
+              <a:rPr lang="en-US" sz="1050" dirty="0">
                 <a:solidFill>
                   <a:srgbClr val="7030A0"/>
                 </a:solidFill>
@@ -5758,7 +5630,7 @@
         <p:spPr>
           <a:xfrm>
             <a:off x="7244249" y="2661387"/>
-            <a:ext cx="406694" cy="777"/>
+            <a:ext cx="676554" cy="777"/>
           </a:xfrm>
           <a:prstGeom prst="bentConnector3">
             <a:avLst/>
@@ -5787,16 +5659,341 @@
           </a:fontRef>
         </p:style>
       </p:cxnSp>
-      <p:sp>
-        <p:nvSpPr>
-          <p:cNvPr id="30" name="Rectangle 29"/>
+      <p:grpSp>
+        <p:nvGrpSpPr>
+          <p:cNvPr id="64" name="Group 63"/>
+          <p:cNvGrpSpPr/>
+          <p:nvPr/>
+        </p:nvGrpSpPr>
+        <p:grpSpPr>
+          <a:xfrm>
+            <a:off x="6811583" y="3454400"/>
+            <a:ext cx="1348742" cy="346760"/>
+            <a:chOff x="6463911" y="3632200"/>
+            <a:chExt cx="1348742" cy="346760"/>
+          </a:xfrm>
+        </p:grpSpPr>
+        <p:sp>
+          <p:nvSpPr>
+            <p:cNvPr id="12" name="Isosceles Triangle 11"/>
+            <p:cNvSpPr/>
+            <p:nvPr/>
+          </p:nvSpPr>
+          <p:spPr>
+            <a:xfrm rot="5400000" flipV="1">
+              <a:off x="7589640" y="3726083"/>
+              <a:ext cx="270504" cy="175523"/>
+            </a:xfrm>
+            <a:prstGeom prst="triangle">
+              <a:avLst/>
+            </a:prstGeom>
+            <a:solidFill>
+              <a:srgbClr val="7030A0"/>
+            </a:solidFill>
+            <a:ln w="19050">
+              <a:solidFill>
+                <a:srgbClr val="7030A0"/>
+              </a:solidFill>
+            </a:ln>
+            <a:effectLst/>
+          </p:spPr>
+          <p:style>
+            <a:lnRef idx="1">
+              <a:schemeClr val="accent4"/>
+            </a:lnRef>
+            <a:fillRef idx="2">
+              <a:schemeClr val="accent4"/>
+            </a:fillRef>
+            <a:effectRef idx="1">
+              <a:schemeClr val="accent4"/>
+            </a:effectRef>
+            <a:fontRef idx="minor">
+              <a:schemeClr val="dk1"/>
+            </a:fontRef>
+          </p:style>
+          <p:txBody>
+            <a:bodyPr rtlCol="0" anchor="ctr"/>
+            <a:lstStyle>
+              <a:defPPr>
+                <a:defRPr lang="en-US"/>
+              </a:defPPr>
+              <a:lvl1pPr marL="0" algn="l" defTabSz="914400" rtl="0" eaLnBrk="1" latinLnBrk="0" hangingPunct="1">
+                <a:defRPr sz="1800" kern="1200">
+                  <a:solidFill>
+                    <a:schemeClr val="dk1"/>
+                  </a:solidFill>
+                  <a:latin typeface="+mn-lt"/>
+                  <a:ea typeface="+mn-ea"/>
+                  <a:cs typeface="+mn-cs"/>
+                </a:defRPr>
+              </a:lvl1pPr>
+              <a:lvl2pPr marL="457200" algn="l" defTabSz="914400" rtl="0" eaLnBrk="1" latinLnBrk="0" hangingPunct="1">
+                <a:defRPr sz="1800" kern="1200">
+                  <a:solidFill>
+                    <a:schemeClr val="dk1"/>
+                  </a:solidFill>
+                  <a:latin typeface="+mn-lt"/>
+                  <a:ea typeface="+mn-ea"/>
+                  <a:cs typeface="+mn-cs"/>
+                </a:defRPr>
+              </a:lvl2pPr>
+              <a:lvl3pPr marL="914400" algn="l" defTabSz="914400" rtl="0" eaLnBrk="1" latinLnBrk="0" hangingPunct="1">
+                <a:defRPr sz="1800" kern="1200">
+                  <a:solidFill>
+                    <a:schemeClr val="dk1"/>
+                  </a:solidFill>
+                  <a:latin typeface="+mn-lt"/>
+                  <a:ea typeface="+mn-ea"/>
+                  <a:cs typeface="+mn-cs"/>
+                </a:defRPr>
+              </a:lvl3pPr>
+              <a:lvl4pPr marL="1371600" algn="l" defTabSz="914400" rtl="0" eaLnBrk="1" latinLnBrk="0" hangingPunct="1">
+                <a:defRPr sz="1800" kern="1200">
+                  <a:solidFill>
+                    <a:schemeClr val="dk1"/>
+                  </a:solidFill>
+                  <a:latin typeface="+mn-lt"/>
+                  <a:ea typeface="+mn-ea"/>
+                  <a:cs typeface="+mn-cs"/>
+                </a:defRPr>
+              </a:lvl4pPr>
+              <a:lvl5pPr marL="1828800" algn="l" defTabSz="914400" rtl="0" eaLnBrk="1" latinLnBrk="0" hangingPunct="1">
+                <a:defRPr sz="1800" kern="1200">
+                  <a:solidFill>
+                    <a:schemeClr val="dk1"/>
+                  </a:solidFill>
+                  <a:latin typeface="+mn-lt"/>
+                  <a:ea typeface="+mn-ea"/>
+                  <a:cs typeface="+mn-cs"/>
+                </a:defRPr>
+              </a:lvl5pPr>
+              <a:lvl6pPr marL="2286000" algn="l" defTabSz="914400" rtl="0" eaLnBrk="1" latinLnBrk="0" hangingPunct="1">
+                <a:defRPr sz="1800" kern="1200">
+                  <a:solidFill>
+                    <a:schemeClr val="dk1"/>
+                  </a:solidFill>
+                  <a:latin typeface="+mn-lt"/>
+                  <a:ea typeface="+mn-ea"/>
+                  <a:cs typeface="+mn-cs"/>
+                </a:defRPr>
+              </a:lvl6pPr>
+              <a:lvl7pPr marL="2743200" algn="l" defTabSz="914400" rtl="0" eaLnBrk="1" latinLnBrk="0" hangingPunct="1">
+                <a:defRPr sz="1800" kern="1200">
+                  <a:solidFill>
+                    <a:schemeClr val="dk1"/>
+                  </a:solidFill>
+                  <a:latin typeface="+mn-lt"/>
+                  <a:ea typeface="+mn-ea"/>
+                  <a:cs typeface="+mn-cs"/>
+                </a:defRPr>
+              </a:lvl7pPr>
+              <a:lvl8pPr marL="3200400" algn="l" defTabSz="914400" rtl="0" eaLnBrk="1" latinLnBrk="0" hangingPunct="1">
+                <a:defRPr sz="1800" kern="1200">
+                  <a:solidFill>
+                    <a:schemeClr val="dk1"/>
+                  </a:solidFill>
+                  <a:latin typeface="+mn-lt"/>
+                  <a:ea typeface="+mn-ea"/>
+                  <a:cs typeface="+mn-cs"/>
+                </a:defRPr>
+              </a:lvl8pPr>
+              <a:lvl9pPr marL="3657600" algn="l" defTabSz="914400" rtl="0" eaLnBrk="1" latinLnBrk="0" hangingPunct="1">
+                <a:defRPr sz="1800" kern="1200">
+                  <a:solidFill>
+                    <a:schemeClr val="dk1"/>
+                  </a:solidFill>
+                  <a:latin typeface="+mn-lt"/>
+                  <a:ea typeface="+mn-ea"/>
+                  <a:cs typeface="+mn-cs"/>
+                </a:defRPr>
+              </a:lvl9pPr>
+            </a:lstStyle>
+            <a:p>
+              <a:pPr algn="ctr"/>
+              <a:endParaRPr lang="en-SG" sz="1050" b="1">
+                <a:solidFill>
+                  <a:srgbClr val="92D050"/>
+                </a:solidFill>
+              </a:endParaRPr>
+            </a:p>
+          </p:txBody>
+        </p:sp>
+        <p:sp>
+          <p:nvSpPr>
+            <p:cNvPr id="30" name="Rectangle 29"/>
+            <p:cNvSpPr/>
+            <p:nvPr/>
+          </p:nvSpPr>
+          <p:spPr>
+            <a:xfrm>
+              <a:off x="6463911" y="3632200"/>
+              <a:ext cx="1156969" cy="346760"/>
+            </a:xfrm>
+            <a:prstGeom prst="rect">
+              <a:avLst/>
+            </a:prstGeom>
+            <a:ln w="19050">
+              <a:solidFill>
+                <a:srgbClr val="7030A0"/>
+              </a:solidFill>
+            </a:ln>
+            <a:effectLst/>
+          </p:spPr>
+          <p:style>
+            <a:lnRef idx="1">
+              <a:schemeClr val="accent4"/>
+            </a:lnRef>
+            <a:fillRef idx="2">
+              <a:schemeClr val="accent4"/>
+            </a:fillRef>
+            <a:effectRef idx="1">
+              <a:schemeClr val="accent4"/>
+            </a:effectRef>
+            <a:fontRef idx="minor">
+              <a:schemeClr val="dk1"/>
+            </a:fontRef>
+          </p:style>
+          <p:txBody>
+            <a:bodyPr rtlCol="0" anchor="ctr"/>
+            <a:lstStyle>
+              <a:defPPr>
+                <a:defRPr lang="en-US"/>
+              </a:defPPr>
+              <a:lvl1pPr marL="0" algn="l" defTabSz="914400" rtl="0" eaLnBrk="1" latinLnBrk="0" hangingPunct="1">
+                <a:defRPr sz="1800" kern="1200">
+                  <a:solidFill>
+                    <a:schemeClr val="dk1"/>
+                  </a:solidFill>
+                  <a:latin typeface="+mn-lt"/>
+                  <a:ea typeface="+mn-ea"/>
+                  <a:cs typeface="+mn-cs"/>
+                </a:defRPr>
+              </a:lvl1pPr>
+              <a:lvl2pPr marL="457200" algn="l" defTabSz="914400" rtl="0" eaLnBrk="1" latinLnBrk="0" hangingPunct="1">
+                <a:defRPr sz="1800" kern="1200">
+                  <a:solidFill>
+                    <a:schemeClr val="dk1"/>
+                  </a:solidFill>
+                  <a:latin typeface="+mn-lt"/>
+                  <a:ea typeface="+mn-ea"/>
+                  <a:cs typeface="+mn-cs"/>
+                </a:defRPr>
+              </a:lvl2pPr>
+              <a:lvl3pPr marL="914400" algn="l" defTabSz="914400" rtl="0" eaLnBrk="1" latinLnBrk="0" hangingPunct="1">
+                <a:defRPr sz="1800" kern="1200">
+                  <a:solidFill>
+                    <a:schemeClr val="dk1"/>
+                  </a:solidFill>
+                  <a:latin typeface="+mn-lt"/>
+                  <a:ea typeface="+mn-ea"/>
+                  <a:cs typeface="+mn-cs"/>
+                </a:defRPr>
+              </a:lvl3pPr>
+              <a:lvl4pPr marL="1371600" algn="l" defTabSz="914400" rtl="0" eaLnBrk="1" latinLnBrk="0" hangingPunct="1">
+                <a:defRPr sz="1800" kern="1200">
+                  <a:solidFill>
+                    <a:schemeClr val="dk1"/>
+                  </a:solidFill>
+                  <a:latin typeface="+mn-lt"/>
+                  <a:ea typeface="+mn-ea"/>
+                  <a:cs typeface="+mn-cs"/>
+                </a:defRPr>
+              </a:lvl4pPr>
+              <a:lvl5pPr marL="1828800" algn="l" defTabSz="914400" rtl="0" eaLnBrk="1" latinLnBrk="0" hangingPunct="1">
+                <a:defRPr sz="1800" kern="1200">
+                  <a:solidFill>
+                    <a:schemeClr val="dk1"/>
+                  </a:solidFill>
+                  <a:latin typeface="+mn-lt"/>
+                  <a:ea typeface="+mn-ea"/>
+                  <a:cs typeface="+mn-cs"/>
+                </a:defRPr>
+              </a:lvl5pPr>
+              <a:lvl6pPr marL="2286000" algn="l" defTabSz="914400" rtl="0" eaLnBrk="1" latinLnBrk="0" hangingPunct="1">
+                <a:defRPr sz="1800" kern="1200">
+                  <a:solidFill>
+                    <a:schemeClr val="dk1"/>
+                  </a:solidFill>
+                  <a:latin typeface="+mn-lt"/>
+                  <a:ea typeface="+mn-ea"/>
+                  <a:cs typeface="+mn-cs"/>
+                </a:defRPr>
+              </a:lvl6pPr>
+              <a:lvl7pPr marL="2743200" algn="l" defTabSz="914400" rtl="0" eaLnBrk="1" latinLnBrk="0" hangingPunct="1">
+                <a:defRPr sz="1800" kern="1200">
+                  <a:solidFill>
+                    <a:schemeClr val="dk1"/>
+                  </a:solidFill>
+                  <a:latin typeface="+mn-lt"/>
+                  <a:ea typeface="+mn-ea"/>
+                  <a:cs typeface="+mn-cs"/>
+                </a:defRPr>
+              </a:lvl7pPr>
+              <a:lvl8pPr marL="3200400" algn="l" defTabSz="914400" rtl="0" eaLnBrk="1" latinLnBrk="0" hangingPunct="1">
+                <a:defRPr sz="1800" kern="1200">
+                  <a:solidFill>
+                    <a:schemeClr val="dk1"/>
+                  </a:solidFill>
+                  <a:latin typeface="+mn-lt"/>
+                  <a:ea typeface="+mn-ea"/>
+                  <a:cs typeface="+mn-cs"/>
+                </a:defRPr>
+              </a:lvl8pPr>
+              <a:lvl9pPr marL="3657600" algn="l" defTabSz="914400" rtl="0" eaLnBrk="1" latinLnBrk="0" hangingPunct="1">
+                <a:defRPr sz="1800" kern="1200">
+                  <a:solidFill>
+                    <a:schemeClr val="dk1"/>
+                  </a:solidFill>
+                  <a:latin typeface="+mn-lt"/>
+                  <a:ea typeface="+mn-ea"/>
+                  <a:cs typeface="+mn-cs"/>
+                </a:defRPr>
+              </a:lvl9pPr>
+            </a:lstStyle>
+            <a:p>
+              <a:pPr algn="ctr"/>
+              <a:r>
+                <a:rPr lang="en-US" sz="1050" dirty="0">
+                  <a:solidFill>
+                    <a:srgbClr val="7030A0"/>
+                  </a:solidFill>
+                </a:rPr>
+                <a:t>&lt;&lt;interface&gt;&gt;</a:t>
+              </a:r>
+              <a:br>
+                <a:rPr lang="en-US" sz="1050" dirty="0">
+                  <a:solidFill>
+                    <a:srgbClr val="7030A0"/>
+                  </a:solidFill>
+                </a:rPr>
+              </a:br>
+              <a:r>
+                <a:rPr lang="en-US" sz="1050" dirty="0" err="1">
+                  <a:solidFill>
+                    <a:srgbClr val="7030A0"/>
+                  </a:solidFill>
+                </a:rPr>
+                <a:t>ReadOnlyTask</a:t>
+              </a:r>
+              <a:endParaRPr lang="en-SG" sz="1050" dirty="0">
+                <a:solidFill>
+                  <a:srgbClr val="7030A0"/>
+                </a:solidFill>
+              </a:endParaRPr>
+            </a:p>
+          </p:txBody>
+        </p:sp>
+      </p:grpSp>
+      <p:sp>
+        <p:nvSpPr>
+          <p:cNvPr id="31" name="Rectangle 30"/>
           <p:cNvSpPr/>
           <p:nvPr/>
         </p:nvSpPr>
         <p:spPr>
           <a:xfrm>
-            <a:off x="6463911" y="3632200"/>
-            <a:ext cx="1156969" cy="346760"/>
+            <a:off x="9617468" y="2861556"/>
+            <a:ext cx="822960" cy="274320"/>
           </a:xfrm>
           <a:prstGeom prst="rect">
             <a:avLst/>
@@ -5922,172 +6119,7 @@
           <a:p>
             <a:pPr algn="ctr"/>
             <a:r>
-              <a:rPr lang="en-US" sz="1050" dirty="0" smtClean="0">
-                <a:solidFill>
-                  <a:srgbClr val="7030A0"/>
-                </a:solidFill>
-              </a:rPr>
-              <a:t>&lt;&lt;interface&gt;&gt;</a:t>
-            </a:r>
-            <a:br>
-              <a:rPr lang="en-US" sz="1050" dirty="0" smtClean="0">
-                <a:solidFill>
-                  <a:srgbClr val="7030A0"/>
-                </a:solidFill>
-              </a:rPr>
-            </a:br>
-            <a:r>
-              <a:rPr lang="en-US" sz="1050" dirty="0" err="1" smtClean="0">
-                <a:solidFill>
-                  <a:srgbClr val="7030A0"/>
-                </a:solidFill>
-              </a:rPr>
-              <a:t>ReadOnlyTask</a:t>
-            </a:r>
-            <a:endParaRPr lang="en-SG" sz="1050" dirty="0">
-              <a:solidFill>
-                <a:srgbClr val="7030A0"/>
-              </a:solidFill>
-            </a:endParaRPr>
-          </a:p>
-        </p:txBody>
-      </p:sp>
-      <p:sp>
-        <p:nvSpPr>
-          <p:cNvPr id="31" name="Rectangle 30"/>
-          <p:cNvSpPr/>
-          <p:nvPr/>
-        </p:nvSpPr>
-        <p:spPr>
-          <a:xfrm>
-            <a:off x="9028820" y="2685421"/>
-            <a:ext cx="852407" cy="317968"/>
-          </a:xfrm>
-          <a:prstGeom prst="rect">
-            <a:avLst/>
-          </a:prstGeom>
-          <a:ln w="19050">
-            <a:solidFill>
-              <a:srgbClr val="7030A0"/>
-            </a:solidFill>
-          </a:ln>
-          <a:effectLst/>
-        </p:spPr>
-        <p:style>
-          <a:lnRef idx="1">
-            <a:schemeClr val="accent4"/>
-          </a:lnRef>
-          <a:fillRef idx="2">
-            <a:schemeClr val="accent4"/>
-          </a:fillRef>
-          <a:effectRef idx="1">
-            <a:schemeClr val="accent4"/>
-          </a:effectRef>
-          <a:fontRef idx="minor">
-            <a:schemeClr val="dk1"/>
-          </a:fontRef>
-        </p:style>
-        <p:txBody>
-          <a:bodyPr rtlCol="0" anchor="ctr"/>
-          <a:lstStyle>
-            <a:defPPr>
-              <a:defRPr lang="en-US"/>
-            </a:defPPr>
-            <a:lvl1pPr marL="0" algn="l" defTabSz="914400" rtl="0" eaLnBrk="1" latinLnBrk="0" hangingPunct="1">
-              <a:defRPr sz="1800" kern="1200">
-                <a:solidFill>
-                  <a:schemeClr val="dk1"/>
-                </a:solidFill>
-                <a:latin typeface="+mn-lt"/>
-                <a:ea typeface="+mn-ea"/>
-                <a:cs typeface="+mn-cs"/>
-              </a:defRPr>
-            </a:lvl1pPr>
-            <a:lvl2pPr marL="457200" algn="l" defTabSz="914400" rtl="0" eaLnBrk="1" latinLnBrk="0" hangingPunct="1">
-              <a:defRPr sz="1800" kern="1200">
-                <a:solidFill>
-                  <a:schemeClr val="dk1"/>
-                </a:solidFill>
-                <a:latin typeface="+mn-lt"/>
-                <a:ea typeface="+mn-ea"/>
-                <a:cs typeface="+mn-cs"/>
-              </a:defRPr>
-            </a:lvl2pPr>
-            <a:lvl3pPr marL="914400" algn="l" defTabSz="914400" rtl="0" eaLnBrk="1" latinLnBrk="0" hangingPunct="1">
-              <a:defRPr sz="1800" kern="1200">
-                <a:solidFill>
-                  <a:schemeClr val="dk1"/>
-                </a:solidFill>
-                <a:latin typeface="+mn-lt"/>
-                <a:ea typeface="+mn-ea"/>
-                <a:cs typeface="+mn-cs"/>
-              </a:defRPr>
-            </a:lvl3pPr>
-            <a:lvl4pPr marL="1371600" algn="l" defTabSz="914400" rtl="0" eaLnBrk="1" latinLnBrk="0" hangingPunct="1">
-              <a:defRPr sz="1800" kern="1200">
-                <a:solidFill>
-                  <a:schemeClr val="dk1"/>
-                </a:solidFill>
-                <a:latin typeface="+mn-lt"/>
-                <a:ea typeface="+mn-ea"/>
-                <a:cs typeface="+mn-cs"/>
-              </a:defRPr>
-            </a:lvl4pPr>
-            <a:lvl5pPr marL="1828800" algn="l" defTabSz="914400" rtl="0" eaLnBrk="1" latinLnBrk="0" hangingPunct="1">
-              <a:defRPr sz="1800" kern="1200">
-                <a:solidFill>
-                  <a:schemeClr val="dk1"/>
-                </a:solidFill>
-                <a:latin typeface="+mn-lt"/>
-                <a:ea typeface="+mn-ea"/>
-                <a:cs typeface="+mn-cs"/>
-              </a:defRPr>
-            </a:lvl5pPr>
-            <a:lvl6pPr marL="2286000" algn="l" defTabSz="914400" rtl="0" eaLnBrk="1" latinLnBrk="0" hangingPunct="1">
-              <a:defRPr sz="1800" kern="1200">
-                <a:solidFill>
-                  <a:schemeClr val="dk1"/>
-                </a:solidFill>
-                <a:latin typeface="+mn-lt"/>
-                <a:ea typeface="+mn-ea"/>
-                <a:cs typeface="+mn-cs"/>
-              </a:defRPr>
-            </a:lvl6pPr>
-            <a:lvl7pPr marL="2743200" algn="l" defTabSz="914400" rtl="0" eaLnBrk="1" latinLnBrk="0" hangingPunct="1">
-              <a:defRPr sz="1800" kern="1200">
-                <a:solidFill>
-                  <a:schemeClr val="dk1"/>
-                </a:solidFill>
-                <a:latin typeface="+mn-lt"/>
-                <a:ea typeface="+mn-ea"/>
-                <a:cs typeface="+mn-cs"/>
-              </a:defRPr>
-            </a:lvl7pPr>
-            <a:lvl8pPr marL="3200400" algn="l" defTabSz="914400" rtl="0" eaLnBrk="1" latinLnBrk="0" hangingPunct="1">
-              <a:defRPr sz="1800" kern="1200">
-                <a:solidFill>
-                  <a:schemeClr val="dk1"/>
-                </a:solidFill>
-                <a:latin typeface="+mn-lt"/>
-                <a:ea typeface="+mn-ea"/>
-                <a:cs typeface="+mn-cs"/>
-              </a:defRPr>
-            </a:lvl8pPr>
-            <a:lvl9pPr marL="3657600" algn="l" defTabSz="914400" rtl="0" eaLnBrk="1" latinLnBrk="0" hangingPunct="1">
-              <a:defRPr sz="1800" kern="1200">
-                <a:solidFill>
-                  <a:schemeClr val="dk1"/>
-                </a:solidFill>
-                <a:latin typeface="+mn-lt"/>
-                <a:ea typeface="+mn-ea"/>
-                <a:cs typeface="+mn-cs"/>
-              </a:defRPr>
-            </a:lvl9pPr>
-          </a:lstStyle>
-          <a:p>
-            <a:pPr algn="ctr"/>
-            <a:r>
-              <a:rPr lang="en-US" sz="1050" dirty="0" smtClean="0">
+              <a:rPr lang="en-US" sz="1050" dirty="0">
                 <a:solidFill>
                   <a:srgbClr val="7030A0"/>
                 </a:solidFill>
@@ -6110,7 +6142,7 @@
         </p:nvSpPr>
         <p:spPr>
           <a:xfrm>
-            <a:off x="8377601" y="3151401"/>
+            <a:off x="8653829" y="3151401"/>
             <a:ext cx="236048" cy="173380"/>
           </a:xfrm>
           <a:prstGeom prst="flowChartDecision">
@@ -6254,8 +6286,8 @@
         </p:nvCxnSpPr>
         <p:spPr>
           <a:xfrm flipV="1">
-            <a:off x="8613649" y="2844405"/>
-            <a:ext cx="415171" cy="393686"/>
+            <a:off x="8889877" y="2998716"/>
+            <a:ext cx="727591" cy="239375"/>
           </a:xfrm>
           <a:prstGeom prst="bentConnector3">
             <a:avLst/>
@@ -6292,8 +6324,8 @@
         </p:nvSpPr>
         <p:spPr>
           <a:xfrm>
-            <a:off x="9048050" y="3413394"/>
-            <a:ext cx="915691" cy="285783"/>
+            <a:off x="9617468" y="3366720"/>
+            <a:ext cx="822960" cy="274320"/>
           </a:xfrm>
           <a:prstGeom prst="rect">
             <a:avLst/>
@@ -6419,7 +6451,7 @@
           <a:p>
             <a:pPr algn="ctr"/>
             <a:r>
-              <a:rPr lang="en-US" sz="1050" dirty="0" err="1" smtClean="0">
+              <a:rPr lang="en-US" sz="1050" dirty="0" err="1">
                 <a:solidFill>
                   <a:srgbClr val="7030A0"/>
                 </a:solidFill>
@@ -6437,13 +6469,16 @@
       <p:cxnSp>
         <p:nvCxnSpPr>
           <p:cNvPr id="37" name="Elbow Connector 36"/>
-          <p:cNvCxnSpPr/>
+          <p:cNvCxnSpPr>
+            <a:stCxn id="32" idx="3"/>
+            <a:endCxn id="36" idx="1"/>
+          </p:cNvCxnSpPr>
           <p:nvPr/>
         </p:nvCxnSpPr>
         <p:spPr>
           <a:xfrm>
-            <a:off x="8605336" y="3238091"/>
-            <a:ext cx="434401" cy="318195"/>
+            <a:off x="8889877" y="3238091"/>
+            <a:ext cx="727591" cy="265789"/>
           </a:xfrm>
           <a:prstGeom prst="bentConnector3">
             <a:avLst/>
@@ -6792,7 +6827,7 @@
           <a:p>
             <a:pPr algn="ctr"/>
             <a:r>
-              <a:rPr lang="en-US" sz="1050" dirty="0" smtClean="0">
+              <a:rPr lang="en-US" sz="1050" dirty="0">
                 <a:solidFill>
                   <a:srgbClr val="7030A0"/>
                 </a:solidFill>
@@ -6800,14 +6835,14 @@
               <a:t>&lt;&lt;interface&gt;&gt;</a:t>
             </a:r>
             <a:br>
-              <a:rPr lang="en-US" sz="1050" dirty="0" smtClean="0">
+              <a:rPr lang="en-US" sz="1050" dirty="0">
                 <a:solidFill>
                   <a:srgbClr val="7030A0"/>
                 </a:solidFill>
               </a:rPr>
             </a:br>
             <a:r>
-              <a:rPr lang="en-US" sz="1050" dirty="0" err="1" smtClean="0">
+              <a:rPr lang="en-US" sz="1050" dirty="0" err="1">
                 <a:solidFill>
                   <a:srgbClr val="7030A0"/>
                 </a:solidFill>
@@ -6830,7 +6865,7 @@
         </p:nvSpPr>
         <p:spPr>
           <a:xfrm rot="16200000">
-            <a:off x="7917008" y="3717730"/>
+            <a:off x="7969398" y="3717730"/>
             <a:ext cx="881018" cy="261610"/>
           </a:xfrm>
           <a:prstGeom prst="rect">
@@ -6940,7 +6975,7 @@
           <a:p>
             <a:pPr algn="r"/>
             <a:r>
-              <a:rPr lang="en-US" sz="1100" dirty="0" smtClean="0">
+              <a:rPr lang="en-US" sz="1100" dirty="0">
                 <a:solidFill>
                   <a:srgbClr val="7030A0"/>
                 </a:solidFill>
@@ -7090,21 +7125,13 @@
           <a:p>
             <a:pPr algn="ctr"/>
             <a:r>
-              <a:rPr lang="en-US" sz="1050" dirty="0" smtClean="0">
+              <a:rPr lang="en-US" sz="1050" dirty="0">
                 <a:solidFill>
                   <a:srgbClr val="7030A0"/>
                 </a:solidFill>
               </a:rPr>
               <a:t>&lt;&lt;interface&gt;&gt;</a:t>
             </a:r>
-            <a:r>
-              <a:rPr lang="en-US" sz="1050" dirty="0">
-                <a:solidFill>
-                  <a:srgbClr val="7030A0"/>
-                </a:solidFill>
-              </a:rPr>
-              <a:t/>
-            </a:r>
             <a:br>
               <a:rPr lang="en-US" sz="1050" dirty="0">
                 <a:solidFill>
@@ -7113,7 +7140,7 @@
               </a:rPr>
             </a:br>
             <a:r>
-              <a:rPr lang="en-US" sz="1050" dirty="0" err="1" smtClean="0">
+              <a:rPr lang="en-US" sz="1050" dirty="0" err="1">
                 <a:solidFill>
                   <a:srgbClr val="7030A0"/>
                 </a:solidFill>
@@ -7150,6 +7177,543 @@
               <a:srgbClr val="7030A0"/>
             </a:solidFill>
             <a:prstDash val="sysDot"/>
+            <a:headEnd type="none" w="med" len="med"/>
+            <a:tailEnd type="arrow" w="med" len="med"/>
+          </a:ln>
+          <a:effectLst/>
+        </p:spPr>
+        <p:style>
+          <a:lnRef idx="1">
+            <a:schemeClr val="accent2"/>
+          </a:lnRef>
+          <a:fillRef idx="2">
+            <a:schemeClr val="accent2"/>
+          </a:fillRef>
+          <a:effectRef idx="1">
+            <a:schemeClr val="accent2"/>
+          </a:effectRef>
+          <a:fontRef idx="minor">
+            <a:schemeClr val="dk1"/>
+          </a:fontRef>
+        </p:style>
+      </p:cxnSp>
+      <p:sp>
+        <p:nvSpPr>
+          <p:cNvPr id="46" name="Rectangle 45"/>
+          <p:cNvSpPr/>
+          <p:nvPr/>
+        </p:nvSpPr>
+        <p:spPr>
+          <a:xfrm>
+            <a:off x="5816268" y="4082149"/>
+            <a:ext cx="914400" cy="182880"/>
+          </a:xfrm>
+          <a:prstGeom prst="rect">
+            <a:avLst/>
+          </a:prstGeom>
+          <a:ln w="19050">
+            <a:solidFill>
+              <a:srgbClr val="7030A0"/>
+            </a:solidFill>
+          </a:ln>
+          <a:effectLst/>
+        </p:spPr>
+        <p:style>
+          <a:lnRef idx="1">
+            <a:schemeClr val="accent4"/>
+          </a:lnRef>
+          <a:fillRef idx="2">
+            <a:schemeClr val="accent4"/>
+          </a:fillRef>
+          <a:effectRef idx="1">
+            <a:schemeClr val="accent4"/>
+          </a:effectRef>
+          <a:fontRef idx="minor">
+            <a:schemeClr val="dk1"/>
+          </a:fontRef>
+        </p:style>
+        <p:txBody>
+          <a:bodyPr rtlCol="0" anchor="ctr"/>
+          <a:lstStyle>
+            <a:defPPr>
+              <a:defRPr lang="en-US"/>
+            </a:defPPr>
+            <a:lvl1pPr marL="0" algn="l" defTabSz="914400" rtl="0" eaLnBrk="1" latinLnBrk="0" hangingPunct="1">
+              <a:defRPr sz="1800" kern="1200">
+                <a:solidFill>
+                  <a:schemeClr val="dk1"/>
+                </a:solidFill>
+                <a:latin typeface="+mn-lt"/>
+                <a:ea typeface="+mn-ea"/>
+                <a:cs typeface="+mn-cs"/>
+              </a:defRPr>
+            </a:lvl1pPr>
+            <a:lvl2pPr marL="457200" algn="l" defTabSz="914400" rtl="0" eaLnBrk="1" latinLnBrk="0" hangingPunct="1">
+              <a:defRPr sz="1800" kern="1200">
+                <a:solidFill>
+                  <a:schemeClr val="dk1"/>
+                </a:solidFill>
+                <a:latin typeface="+mn-lt"/>
+                <a:ea typeface="+mn-ea"/>
+                <a:cs typeface="+mn-cs"/>
+              </a:defRPr>
+            </a:lvl2pPr>
+            <a:lvl3pPr marL="914400" algn="l" defTabSz="914400" rtl="0" eaLnBrk="1" latinLnBrk="0" hangingPunct="1">
+              <a:defRPr sz="1800" kern="1200">
+                <a:solidFill>
+                  <a:schemeClr val="dk1"/>
+                </a:solidFill>
+                <a:latin typeface="+mn-lt"/>
+                <a:ea typeface="+mn-ea"/>
+                <a:cs typeface="+mn-cs"/>
+              </a:defRPr>
+            </a:lvl3pPr>
+            <a:lvl4pPr marL="1371600" algn="l" defTabSz="914400" rtl="0" eaLnBrk="1" latinLnBrk="0" hangingPunct="1">
+              <a:defRPr sz="1800" kern="1200">
+                <a:solidFill>
+                  <a:schemeClr val="dk1"/>
+                </a:solidFill>
+                <a:latin typeface="+mn-lt"/>
+                <a:ea typeface="+mn-ea"/>
+                <a:cs typeface="+mn-cs"/>
+              </a:defRPr>
+            </a:lvl4pPr>
+            <a:lvl5pPr marL="1828800" algn="l" defTabSz="914400" rtl="0" eaLnBrk="1" latinLnBrk="0" hangingPunct="1">
+              <a:defRPr sz="1800" kern="1200">
+                <a:solidFill>
+                  <a:schemeClr val="dk1"/>
+                </a:solidFill>
+                <a:latin typeface="+mn-lt"/>
+                <a:ea typeface="+mn-ea"/>
+                <a:cs typeface="+mn-cs"/>
+              </a:defRPr>
+            </a:lvl5pPr>
+            <a:lvl6pPr marL="2286000" algn="l" defTabSz="914400" rtl="0" eaLnBrk="1" latinLnBrk="0" hangingPunct="1">
+              <a:defRPr sz="1800" kern="1200">
+                <a:solidFill>
+                  <a:schemeClr val="dk1"/>
+                </a:solidFill>
+                <a:latin typeface="+mn-lt"/>
+                <a:ea typeface="+mn-ea"/>
+                <a:cs typeface="+mn-cs"/>
+              </a:defRPr>
+            </a:lvl6pPr>
+            <a:lvl7pPr marL="2743200" algn="l" defTabSz="914400" rtl="0" eaLnBrk="1" latinLnBrk="0" hangingPunct="1">
+              <a:defRPr sz="1800" kern="1200">
+                <a:solidFill>
+                  <a:schemeClr val="dk1"/>
+                </a:solidFill>
+                <a:latin typeface="+mn-lt"/>
+                <a:ea typeface="+mn-ea"/>
+                <a:cs typeface="+mn-cs"/>
+              </a:defRPr>
+            </a:lvl7pPr>
+            <a:lvl8pPr marL="3200400" algn="l" defTabSz="914400" rtl="0" eaLnBrk="1" latinLnBrk="0" hangingPunct="1">
+              <a:defRPr sz="1800" kern="1200">
+                <a:solidFill>
+                  <a:schemeClr val="dk1"/>
+                </a:solidFill>
+                <a:latin typeface="+mn-lt"/>
+                <a:ea typeface="+mn-ea"/>
+                <a:cs typeface="+mn-cs"/>
+              </a:defRPr>
+            </a:lvl8pPr>
+            <a:lvl9pPr marL="3657600" algn="l" defTabSz="914400" rtl="0" eaLnBrk="1" latinLnBrk="0" hangingPunct="1">
+              <a:defRPr sz="1800" kern="1200">
+                <a:solidFill>
+                  <a:schemeClr val="dk1"/>
+                </a:solidFill>
+                <a:latin typeface="+mn-lt"/>
+                <a:ea typeface="+mn-ea"/>
+                <a:cs typeface="+mn-cs"/>
+              </a:defRPr>
+            </a:lvl9pPr>
+          </a:lstStyle>
+          <a:p>
+            <a:pPr algn="ctr"/>
+            <a:r>
+              <a:rPr lang="en-US" sz="1050" dirty="0" err="1">
+                <a:solidFill>
+                  <a:srgbClr val="7030A0"/>
+                </a:solidFill>
+              </a:rPr>
+              <a:t>ListMutation</a:t>
+            </a:r>
+            <a:endParaRPr lang="en-SG" sz="1050" dirty="0">
+              <a:solidFill>
+                <a:srgbClr val="7030A0"/>
+              </a:solidFill>
+            </a:endParaRPr>
+          </a:p>
+        </p:txBody>
+      </p:sp>
+      <p:sp>
+        <p:nvSpPr>
+          <p:cNvPr id="47" name="Rectangle 46"/>
+          <p:cNvSpPr/>
+          <p:nvPr/>
+        </p:nvSpPr>
+        <p:spPr>
+          <a:xfrm>
+            <a:off x="7294613" y="4073420"/>
+            <a:ext cx="914400" cy="182880"/>
+          </a:xfrm>
+          <a:prstGeom prst="rect">
+            <a:avLst/>
+          </a:prstGeom>
+          <a:ln w="19050">
+            <a:solidFill>
+              <a:srgbClr val="7030A0"/>
+            </a:solidFill>
+          </a:ln>
+          <a:effectLst/>
+        </p:spPr>
+        <p:style>
+          <a:lnRef idx="1">
+            <a:schemeClr val="accent4"/>
+          </a:lnRef>
+          <a:fillRef idx="2">
+            <a:schemeClr val="accent4"/>
+          </a:fillRef>
+          <a:effectRef idx="1">
+            <a:schemeClr val="accent4"/>
+          </a:effectRef>
+          <a:fontRef idx="minor">
+            <a:schemeClr val="dk1"/>
+          </a:fontRef>
+        </p:style>
+        <p:txBody>
+          <a:bodyPr rtlCol="0" anchor="ctr"/>
+          <a:lstStyle>
+            <a:defPPr>
+              <a:defRPr lang="en-US"/>
+            </a:defPPr>
+            <a:lvl1pPr marL="0" algn="l" defTabSz="914400" rtl="0" eaLnBrk="1" latinLnBrk="0" hangingPunct="1">
+              <a:defRPr sz="1800" kern="1200">
+                <a:solidFill>
+                  <a:schemeClr val="dk1"/>
+                </a:solidFill>
+                <a:latin typeface="+mn-lt"/>
+                <a:ea typeface="+mn-ea"/>
+                <a:cs typeface="+mn-cs"/>
+              </a:defRPr>
+            </a:lvl1pPr>
+            <a:lvl2pPr marL="457200" algn="l" defTabSz="914400" rtl="0" eaLnBrk="1" latinLnBrk="0" hangingPunct="1">
+              <a:defRPr sz="1800" kern="1200">
+                <a:solidFill>
+                  <a:schemeClr val="dk1"/>
+                </a:solidFill>
+                <a:latin typeface="+mn-lt"/>
+                <a:ea typeface="+mn-ea"/>
+                <a:cs typeface="+mn-cs"/>
+              </a:defRPr>
+            </a:lvl2pPr>
+            <a:lvl3pPr marL="914400" algn="l" defTabSz="914400" rtl="0" eaLnBrk="1" latinLnBrk="0" hangingPunct="1">
+              <a:defRPr sz="1800" kern="1200">
+                <a:solidFill>
+                  <a:schemeClr val="dk1"/>
+                </a:solidFill>
+                <a:latin typeface="+mn-lt"/>
+                <a:ea typeface="+mn-ea"/>
+                <a:cs typeface="+mn-cs"/>
+              </a:defRPr>
+            </a:lvl3pPr>
+            <a:lvl4pPr marL="1371600" algn="l" defTabSz="914400" rtl="0" eaLnBrk="1" latinLnBrk="0" hangingPunct="1">
+              <a:defRPr sz="1800" kern="1200">
+                <a:solidFill>
+                  <a:schemeClr val="dk1"/>
+                </a:solidFill>
+                <a:latin typeface="+mn-lt"/>
+                <a:ea typeface="+mn-ea"/>
+                <a:cs typeface="+mn-cs"/>
+              </a:defRPr>
+            </a:lvl4pPr>
+            <a:lvl5pPr marL="1828800" algn="l" defTabSz="914400" rtl="0" eaLnBrk="1" latinLnBrk="0" hangingPunct="1">
+              <a:defRPr sz="1800" kern="1200">
+                <a:solidFill>
+                  <a:schemeClr val="dk1"/>
+                </a:solidFill>
+                <a:latin typeface="+mn-lt"/>
+                <a:ea typeface="+mn-ea"/>
+                <a:cs typeface="+mn-cs"/>
+              </a:defRPr>
+            </a:lvl5pPr>
+            <a:lvl6pPr marL="2286000" algn="l" defTabSz="914400" rtl="0" eaLnBrk="1" latinLnBrk="0" hangingPunct="1">
+              <a:defRPr sz="1800" kern="1200">
+                <a:solidFill>
+                  <a:schemeClr val="dk1"/>
+                </a:solidFill>
+                <a:latin typeface="+mn-lt"/>
+                <a:ea typeface="+mn-ea"/>
+                <a:cs typeface="+mn-cs"/>
+              </a:defRPr>
+            </a:lvl6pPr>
+            <a:lvl7pPr marL="2743200" algn="l" defTabSz="914400" rtl="0" eaLnBrk="1" latinLnBrk="0" hangingPunct="1">
+              <a:defRPr sz="1800" kern="1200">
+                <a:solidFill>
+                  <a:schemeClr val="dk1"/>
+                </a:solidFill>
+                <a:latin typeface="+mn-lt"/>
+                <a:ea typeface="+mn-ea"/>
+                <a:cs typeface="+mn-cs"/>
+              </a:defRPr>
+            </a:lvl7pPr>
+            <a:lvl8pPr marL="3200400" algn="l" defTabSz="914400" rtl="0" eaLnBrk="1" latinLnBrk="0" hangingPunct="1">
+              <a:defRPr sz="1800" kern="1200">
+                <a:solidFill>
+                  <a:schemeClr val="dk1"/>
+                </a:solidFill>
+                <a:latin typeface="+mn-lt"/>
+                <a:ea typeface="+mn-ea"/>
+                <a:cs typeface="+mn-cs"/>
+              </a:defRPr>
+            </a:lvl8pPr>
+            <a:lvl9pPr marL="3657600" algn="l" defTabSz="914400" rtl="0" eaLnBrk="1" latinLnBrk="0" hangingPunct="1">
+              <a:defRPr sz="1800" kern="1200">
+                <a:solidFill>
+                  <a:schemeClr val="dk1"/>
+                </a:solidFill>
+                <a:latin typeface="+mn-lt"/>
+                <a:ea typeface="+mn-ea"/>
+                <a:cs typeface="+mn-cs"/>
+              </a:defRPr>
+            </a:lvl9pPr>
+          </a:lstStyle>
+          <a:p>
+            <a:pPr algn="ctr"/>
+            <a:r>
+              <a:rPr lang="en-US" sz="1050" dirty="0">
+                <a:solidFill>
+                  <a:srgbClr val="7030A0"/>
+                </a:solidFill>
+              </a:rPr>
+              <a:t>Mutation</a:t>
+            </a:r>
+            <a:endParaRPr lang="en-SG" sz="1050" dirty="0">
+              <a:solidFill>
+                <a:srgbClr val="7030A0"/>
+              </a:solidFill>
+            </a:endParaRPr>
+          </a:p>
+        </p:txBody>
+      </p:sp>
+      <p:grpSp>
+        <p:nvGrpSpPr>
+          <p:cNvPr id="48" name="Group 47"/>
+          <p:cNvGrpSpPr/>
+          <p:nvPr/>
+        </p:nvGrpSpPr>
+        <p:grpSpPr>
+          <a:xfrm>
+            <a:off x="6752195" y="4097232"/>
+            <a:ext cx="543576" cy="140570"/>
+            <a:chOff x="6978881" y="3147179"/>
+            <a:chExt cx="670450" cy="173380"/>
+          </a:xfrm>
+        </p:grpSpPr>
+        <p:sp>
+          <p:nvSpPr>
+            <p:cNvPr id="49" name="Flowchart: Decision 48"/>
+            <p:cNvSpPr/>
+            <p:nvPr/>
+          </p:nvSpPr>
+          <p:spPr>
+            <a:xfrm>
+              <a:off x="6978881" y="3147179"/>
+              <a:ext cx="236048" cy="173380"/>
+            </a:xfrm>
+            <a:prstGeom prst="flowChartDecision">
+              <a:avLst/>
+            </a:prstGeom>
+            <a:noFill/>
+            <a:ln w="19050">
+              <a:solidFill>
+                <a:srgbClr val="7030A0"/>
+              </a:solidFill>
+            </a:ln>
+            <a:effectLst/>
+          </p:spPr>
+          <p:style>
+            <a:lnRef idx="1">
+              <a:schemeClr val="accent6"/>
+            </a:lnRef>
+            <a:fillRef idx="2">
+              <a:schemeClr val="accent6"/>
+            </a:fillRef>
+            <a:effectRef idx="1">
+              <a:schemeClr val="accent6"/>
+            </a:effectRef>
+            <a:fontRef idx="minor">
+              <a:schemeClr val="dk1"/>
+            </a:fontRef>
+          </p:style>
+          <p:txBody>
+            <a:bodyPr rtlCol="0" anchor="ctr"/>
+            <a:lstStyle>
+              <a:defPPr>
+                <a:defRPr lang="en-US"/>
+              </a:defPPr>
+              <a:lvl1pPr marL="0" algn="l" defTabSz="914400" rtl="0" eaLnBrk="1" latinLnBrk="0" hangingPunct="1">
+                <a:defRPr sz="1800" kern="1200">
+                  <a:solidFill>
+                    <a:schemeClr val="dk1"/>
+                  </a:solidFill>
+                  <a:latin typeface="+mn-lt"/>
+                  <a:ea typeface="+mn-ea"/>
+                  <a:cs typeface="+mn-cs"/>
+                </a:defRPr>
+              </a:lvl1pPr>
+              <a:lvl2pPr marL="457200" algn="l" defTabSz="914400" rtl="0" eaLnBrk="1" latinLnBrk="0" hangingPunct="1">
+                <a:defRPr sz="1800" kern="1200">
+                  <a:solidFill>
+                    <a:schemeClr val="dk1"/>
+                  </a:solidFill>
+                  <a:latin typeface="+mn-lt"/>
+                  <a:ea typeface="+mn-ea"/>
+                  <a:cs typeface="+mn-cs"/>
+                </a:defRPr>
+              </a:lvl2pPr>
+              <a:lvl3pPr marL="914400" algn="l" defTabSz="914400" rtl="0" eaLnBrk="1" latinLnBrk="0" hangingPunct="1">
+                <a:defRPr sz="1800" kern="1200">
+                  <a:solidFill>
+                    <a:schemeClr val="dk1"/>
+                  </a:solidFill>
+                  <a:latin typeface="+mn-lt"/>
+                  <a:ea typeface="+mn-ea"/>
+                  <a:cs typeface="+mn-cs"/>
+                </a:defRPr>
+              </a:lvl3pPr>
+              <a:lvl4pPr marL="1371600" algn="l" defTabSz="914400" rtl="0" eaLnBrk="1" latinLnBrk="0" hangingPunct="1">
+                <a:defRPr sz="1800" kern="1200">
+                  <a:solidFill>
+                    <a:schemeClr val="dk1"/>
+                  </a:solidFill>
+                  <a:latin typeface="+mn-lt"/>
+                  <a:ea typeface="+mn-ea"/>
+                  <a:cs typeface="+mn-cs"/>
+                </a:defRPr>
+              </a:lvl4pPr>
+              <a:lvl5pPr marL="1828800" algn="l" defTabSz="914400" rtl="0" eaLnBrk="1" latinLnBrk="0" hangingPunct="1">
+                <a:defRPr sz="1800" kern="1200">
+                  <a:solidFill>
+                    <a:schemeClr val="dk1"/>
+                  </a:solidFill>
+                  <a:latin typeface="+mn-lt"/>
+                  <a:ea typeface="+mn-ea"/>
+                  <a:cs typeface="+mn-cs"/>
+                </a:defRPr>
+              </a:lvl5pPr>
+              <a:lvl6pPr marL="2286000" algn="l" defTabSz="914400" rtl="0" eaLnBrk="1" latinLnBrk="0" hangingPunct="1">
+                <a:defRPr sz="1800" kern="1200">
+                  <a:solidFill>
+                    <a:schemeClr val="dk1"/>
+                  </a:solidFill>
+                  <a:latin typeface="+mn-lt"/>
+                  <a:ea typeface="+mn-ea"/>
+                  <a:cs typeface="+mn-cs"/>
+                </a:defRPr>
+              </a:lvl6pPr>
+              <a:lvl7pPr marL="2743200" algn="l" defTabSz="914400" rtl="0" eaLnBrk="1" latinLnBrk="0" hangingPunct="1">
+                <a:defRPr sz="1800" kern="1200">
+                  <a:solidFill>
+                    <a:schemeClr val="dk1"/>
+                  </a:solidFill>
+                  <a:latin typeface="+mn-lt"/>
+                  <a:ea typeface="+mn-ea"/>
+                  <a:cs typeface="+mn-cs"/>
+                </a:defRPr>
+              </a:lvl7pPr>
+              <a:lvl8pPr marL="3200400" algn="l" defTabSz="914400" rtl="0" eaLnBrk="1" latinLnBrk="0" hangingPunct="1">
+                <a:defRPr sz="1800" kern="1200">
+                  <a:solidFill>
+                    <a:schemeClr val="dk1"/>
+                  </a:solidFill>
+                  <a:latin typeface="+mn-lt"/>
+                  <a:ea typeface="+mn-ea"/>
+                  <a:cs typeface="+mn-cs"/>
+                </a:defRPr>
+              </a:lvl8pPr>
+              <a:lvl9pPr marL="3657600" algn="l" defTabSz="914400" rtl="0" eaLnBrk="1" latinLnBrk="0" hangingPunct="1">
+                <a:defRPr sz="1800" kern="1200">
+                  <a:solidFill>
+                    <a:schemeClr val="dk1"/>
+                  </a:solidFill>
+                  <a:latin typeface="+mn-lt"/>
+                  <a:ea typeface="+mn-ea"/>
+                  <a:cs typeface="+mn-cs"/>
+                </a:defRPr>
+              </a:lvl9pPr>
+            </a:lstStyle>
+            <a:p>
+              <a:pPr algn="ctr"/>
+              <a:endParaRPr lang="en-US" sz="1050"/>
+            </a:p>
+          </p:txBody>
+        </p:sp>
+        <p:cxnSp>
+          <p:nvCxnSpPr>
+            <p:cNvPr id="50" name="Elbow Connector 25"/>
+            <p:cNvCxnSpPr>
+              <a:stCxn id="49" idx="3"/>
+            </p:cNvCxnSpPr>
+            <p:nvPr/>
+          </p:nvCxnSpPr>
+          <p:spPr>
+            <a:xfrm>
+              <a:off x="7214929" y="3233869"/>
+              <a:ext cx="434402" cy="777"/>
+            </a:xfrm>
+            <a:prstGeom prst="bentConnector3">
+              <a:avLst/>
+            </a:prstGeom>
+            <a:ln w="19050">
+              <a:solidFill>
+                <a:srgbClr val="7030A0"/>
+              </a:solidFill>
+              <a:headEnd type="none" w="med" len="med"/>
+              <a:tailEnd type="arrow" w="med" len="med"/>
+            </a:ln>
+            <a:effectLst/>
+          </p:spPr>
+          <p:style>
+            <a:lnRef idx="1">
+              <a:schemeClr val="accent2"/>
+            </a:lnRef>
+            <a:fillRef idx="2">
+              <a:schemeClr val="accent2"/>
+            </a:fillRef>
+            <a:effectRef idx="1">
+              <a:schemeClr val="accent2"/>
+            </a:effectRef>
+            <a:fontRef idx="minor">
+              <a:schemeClr val="dk1"/>
+            </a:fontRef>
+          </p:style>
+        </p:cxnSp>
+      </p:grpSp>
+      <p:cxnSp>
+        <p:nvCxnSpPr>
+          <p:cNvPr id="51" name="Elbow Connector 36"/>
+          <p:cNvCxnSpPr>
+            <a:endCxn id="46" idx="1"/>
+          </p:cNvCxnSpPr>
+          <p:nvPr/>
+        </p:nvCxnSpPr>
+        <p:spPr>
+          <a:xfrm rot="5400000">
+            <a:off x="5483353" y="3730247"/>
+            <a:ext cx="776258" cy="110427"/>
+          </a:xfrm>
+          <a:prstGeom prst="bentConnector4">
+            <a:avLst>
+              <a:gd name="adj1" fmla="val 44110"/>
+              <a:gd name="adj2" fmla="val 220757"/>
+            </a:avLst>
+          </a:prstGeom>
+          <a:ln w="19050">
+            <a:solidFill>
+              <a:srgbClr val="7030A0"/>
+            </a:solidFill>
             <a:headEnd type="none" w="med" len="med"/>
             <a:tailEnd type="arrow" w="med" len="med"/>
           </a:ln>
